--- a/04-CodeRetreat/04-CodeRetreat.pptx
+++ b/04-CodeRetreat/04-CodeRetreat.pptx
@@ -207,7 +207,7 @@
           <a:p>
             <a:fld id="{16E5F246-0B7D-44DF-8C1B-EDFCA5DA626A}" type="datetimeFigureOut">
               <a:rPr lang="ru-RU" smtClean="0"/>
-              <a:t>23.06.2014</a:t>
+              <a:t>01.07.2014</a:t>
             </a:fld>
             <a:endParaRPr lang="ru-RU"/>
           </a:p>
@@ -740,7 +740,7 @@
           <a:p>
             <a:fld id="{ED7A5A9E-355E-4F5A-82F5-195339D13266}" type="datetimeFigureOut">
               <a:rPr lang="ru-RU" smtClean="0"/>
-              <a:t>23.06.2014</a:t>
+              <a:t>01.07.2014</a:t>
             </a:fld>
             <a:endParaRPr lang="ru-RU"/>
           </a:p>
@@ -910,7 +910,7 @@
           <a:p>
             <a:fld id="{ED7A5A9E-355E-4F5A-82F5-195339D13266}" type="datetimeFigureOut">
               <a:rPr lang="ru-RU" smtClean="0"/>
-              <a:t>23.06.2014</a:t>
+              <a:t>01.07.2014</a:t>
             </a:fld>
             <a:endParaRPr lang="ru-RU"/>
           </a:p>
@@ -1090,7 +1090,7 @@
           <a:p>
             <a:fld id="{ED7A5A9E-355E-4F5A-82F5-195339D13266}" type="datetimeFigureOut">
               <a:rPr lang="ru-RU" smtClean="0"/>
-              <a:t>23.06.2014</a:t>
+              <a:t>01.07.2014</a:t>
             </a:fld>
             <a:endParaRPr lang="ru-RU"/>
           </a:p>
@@ -1260,7 +1260,7 @@
           <a:p>
             <a:fld id="{ED7A5A9E-355E-4F5A-82F5-195339D13266}" type="datetimeFigureOut">
               <a:rPr lang="ru-RU" smtClean="0"/>
-              <a:t>23.06.2014</a:t>
+              <a:t>01.07.2014</a:t>
             </a:fld>
             <a:endParaRPr lang="ru-RU"/>
           </a:p>
@@ -1506,7 +1506,7 @@
           <a:p>
             <a:fld id="{ED7A5A9E-355E-4F5A-82F5-195339D13266}" type="datetimeFigureOut">
               <a:rPr lang="ru-RU" smtClean="0"/>
-              <a:t>23.06.2014</a:t>
+              <a:t>01.07.2014</a:t>
             </a:fld>
             <a:endParaRPr lang="ru-RU"/>
           </a:p>
@@ -1794,7 +1794,7 @@
           <a:p>
             <a:fld id="{ED7A5A9E-355E-4F5A-82F5-195339D13266}" type="datetimeFigureOut">
               <a:rPr lang="ru-RU" smtClean="0"/>
-              <a:t>23.06.2014</a:t>
+              <a:t>01.07.2014</a:t>
             </a:fld>
             <a:endParaRPr lang="ru-RU"/>
           </a:p>
@@ -2216,7 +2216,7 @@
           <a:p>
             <a:fld id="{ED7A5A9E-355E-4F5A-82F5-195339D13266}" type="datetimeFigureOut">
               <a:rPr lang="ru-RU" smtClean="0"/>
-              <a:t>23.06.2014</a:t>
+              <a:t>01.07.2014</a:t>
             </a:fld>
             <a:endParaRPr lang="ru-RU"/>
           </a:p>
@@ -2334,7 +2334,7 @@
           <a:p>
             <a:fld id="{ED7A5A9E-355E-4F5A-82F5-195339D13266}" type="datetimeFigureOut">
               <a:rPr lang="ru-RU" smtClean="0"/>
-              <a:t>23.06.2014</a:t>
+              <a:t>01.07.2014</a:t>
             </a:fld>
             <a:endParaRPr lang="ru-RU"/>
           </a:p>
@@ -2429,7 +2429,7 @@
           <a:p>
             <a:fld id="{ED7A5A9E-355E-4F5A-82F5-195339D13266}" type="datetimeFigureOut">
               <a:rPr lang="ru-RU" smtClean="0"/>
-              <a:t>23.06.2014</a:t>
+              <a:t>01.07.2014</a:t>
             </a:fld>
             <a:endParaRPr lang="ru-RU"/>
           </a:p>
@@ -2706,7 +2706,7 @@
           <a:p>
             <a:fld id="{ED7A5A9E-355E-4F5A-82F5-195339D13266}" type="datetimeFigureOut">
               <a:rPr lang="ru-RU" smtClean="0"/>
-              <a:t>23.06.2014</a:t>
+              <a:t>01.07.2014</a:t>
             </a:fld>
             <a:endParaRPr lang="ru-RU"/>
           </a:p>
@@ -2959,7 +2959,7 @@
           <a:p>
             <a:fld id="{ED7A5A9E-355E-4F5A-82F5-195339D13266}" type="datetimeFigureOut">
               <a:rPr lang="ru-RU" smtClean="0"/>
-              <a:t>23.06.2014</a:t>
+              <a:t>01.07.2014</a:t>
             </a:fld>
             <a:endParaRPr lang="ru-RU"/>
           </a:p>
@@ -3172,7 +3172,7 @@
           <a:p>
             <a:fld id="{ED7A5A9E-355E-4F5A-82F5-195339D13266}" type="datetimeFigureOut">
               <a:rPr lang="ru-RU" smtClean="0"/>
-              <a:t>23.06.2014</a:t>
+              <a:t>01.07.2014</a:t>
             </a:fld>
             <a:endParaRPr lang="ru-RU"/>
           </a:p>
@@ -3585,7 +3585,7 @@
       </p:sp>
       <p:sp>
         <p:nvSpPr>
-          <p:cNvPr id="3" name="Подзаголовок 2"/>
+          <p:cNvPr id="4" name="Подзаголовок 3"/>
           <p:cNvSpPr>
             <a:spLocks noGrp="1"/>
           </p:cNvSpPr>
@@ -3598,40 +3598,7 @@
           <a:bodyPr/>
           <a:lstStyle/>
           <a:p>
-            <a:pPr algn="r"/>
-            <a:r>
-              <a:rPr lang="ru-RU" dirty="0" err="1"/>
-              <a:t>Контур.Кампус</a:t>
-            </a:r>
-            <a:r>
-              <a:rPr lang="ru-RU" dirty="0"/>
-              <a:t>, </a:t>
-            </a:r>
-            <a:r>
-              <a:rPr lang="ru-RU" dirty="0" smtClean="0"/>
-              <a:t>март 2014</a:t>
-            </a:r>
-            <a:endParaRPr lang="en-US" dirty="0"/>
-          </a:p>
-          <a:p>
-            <a:pPr algn="r"/>
-            <a:r>
-              <a:rPr lang="ru-RU" dirty="0"/>
-              <a:t>Павел Егоров</a:t>
-            </a:r>
-            <a:r>
-              <a:rPr lang="en-US" dirty="0"/>
-              <a:t>,</a:t>
-            </a:r>
-            <a:r>
-              <a:rPr lang="ru-RU" dirty="0"/>
-              <a:t> </a:t>
-            </a:r>
-            <a:r>
-              <a:rPr lang="en-US" dirty="0"/>
-              <a:t>@xoposhiy</a:t>
-            </a:r>
-            <a:endParaRPr lang="ru-RU" dirty="0"/>
+            <a:endParaRPr lang="ru-RU"/>
           </a:p>
         </p:txBody>
       </p:sp>
@@ -3769,11 +3736,7 @@
             <a:pPr lvl="2"/>
             <a:r>
               <a:rPr lang="ru-RU" dirty="0" smtClean="0"/>
-              <a:t>Максимально просто </a:t>
-            </a:r>
-            <a:r>
-              <a:rPr lang="ru-RU" dirty="0" smtClean="0"/>
-              <a:t>реализуем</a:t>
+              <a:t>Максимально просто реализуем</a:t>
             </a:r>
           </a:p>
           <a:p>
@@ -3789,7 +3752,6 @@
               <a:rPr lang="ru-RU" dirty="0" smtClean="0"/>
               <a:t>Не успели — удаляете и тест и реализацию.</a:t>
             </a:r>
-            <a:endParaRPr lang="ru-RU" dirty="0" smtClean="0"/>
           </a:p>
         </p:txBody>
       </p:sp>
@@ -4371,11 +4333,7 @@
           <a:p>
             <a:r>
               <a:rPr lang="ru-RU" sz="2400" dirty="0" smtClean="0"/>
-              <a:t>Одна элементарная проверка на </a:t>
-            </a:r>
-            <a:r>
-              <a:rPr lang="ru-RU" sz="2400" dirty="0" smtClean="0"/>
-              <a:t>тест</a:t>
+              <a:t>Одна элементарная проверка на тест</a:t>
             </a:r>
           </a:p>
           <a:p>
@@ -4508,13 +4466,8 @@
             </a:pPr>
             <a:r>
               <a:rPr lang="ru-RU" dirty="0" smtClean="0"/>
-              <a:t>Как вам </a:t>
-            </a:r>
-            <a:r>
-              <a:rPr lang="ru-RU" dirty="0" smtClean="0"/>
-              <a:t>3 минуты?</a:t>
-            </a:r>
-            <a:endParaRPr lang="ru-RU" dirty="0" smtClean="0"/>
+              <a:t>Как вам 3 минуты?</a:t>
+            </a:r>
           </a:p>
           <a:p>
             <a:pPr>
@@ -4613,15 +4566,7 @@
           <a:p>
             <a:r>
               <a:rPr lang="ru-RU" dirty="0" smtClean="0"/>
-              <a:t>Первые </a:t>
-            </a:r>
-            <a:r>
-              <a:rPr lang="ru-RU" dirty="0" smtClean="0"/>
-              <a:t>10 </a:t>
-            </a:r>
-            <a:r>
-              <a:rPr lang="ru-RU" dirty="0" smtClean="0"/>
-              <a:t>минут нельзя программировать</a:t>
+              <a:t>Первые 10 минут нельзя программировать</a:t>
             </a:r>
             <a:endParaRPr lang="en-US" dirty="0" smtClean="0"/>
           </a:p>
@@ -5080,11 +5025,7 @@
           <a:p>
             <a:r>
               <a:rPr lang="ru-RU" sz="2000" dirty="0" smtClean="0"/>
-              <a:t>Методы </a:t>
-            </a:r>
-            <a:r>
-              <a:rPr lang="ru-RU" sz="2000" dirty="0" smtClean="0"/>
-              <a:t>не длиннее трех строк</a:t>
+              <a:t>Методы не длиннее трех строк</a:t>
             </a:r>
             <a:endParaRPr lang="en-US" sz="2000" dirty="0" smtClean="0"/>
           </a:p>
@@ -5178,11 +5119,7 @@
             </a:pPr>
             <a:r>
               <a:rPr lang="ru-RU" dirty="0" smtClean="0"/>
-              <a:t>У </a:t>
-            </a:r>
-            <a:r>
-              <a:rPr lang="ru-RU" dirty="0" smtClean="0"/>
-              <a:t>кого «заиграло»?</a:t>
+              <a:t>У кого «заиграло»?</a:t>
             </a:r>
           </a:p>
           <a:p>
@@ -5224,11 +5161,7 @@
             </a:pPr>
             <a:r>
               <a:rPr lang="ru-RU" dirty="0" smtClean="0"/>
-              <a:t>У </a:t>
-            </a:r>
-            <a:r>
-              <a:rPr lang="ru-RU" dirty="0" smtClean="0"/>
-              <a:t>кого были тесты? Сколько?</a:t>
+              <a:t>У кого были тесты? Сколько?</a:t>
             </a:r>
           </a:p>
           <a:p>
@@ -5776,11 +5709,7 @@
           <a:p>
             <a:r>
               <a:rPr lang="ru-RU" dirty="0" smtClean="0"/>
-              <a:t>Одна и та же задача</a:t>
-            </a:r>
-            <a:r>
-              <a:rPr lang="ru-RU" dirty="0" smtClean="0"/>
-              <a:t>: Игра «Жизнь»</a:t>
+              <a:t>Одна и та же задача: Игра «Жизнь»</a:t>
             </a:r>
           </a:p>
           <a:p>
@@ -5790,15 +5719,7 @@
             </a:r>
             <a:r>
               <a:rPr lang="ru-RU" dirty="0" smtClean="0"/>
-              <a:t> </a:t>
-            </a:r>
-            <a:r>
-              <a:rPr lang="ru-RU" dirty="0" smtClean="0"/>
-              <a:t>сессии кодирования по </a:t>
-            </a:r>
-            <a:r>
-              <a:rPr lang="ru-RU" dirty="0" smtClean="0"/>
-              <a:t>4</a:t>
+              <a:t> сессии кодирования по 4</a:t>
             </a:r>
             <a:r>
               <a:rPr lang="en-US" dirty="0"/>
@@ -5808,29 +5729,18 @@
               <a:rPr lang="ru-RU" dirty="0" smtClean="0"/>
               <a:t> минут</a:t>
             </a:r>
-            <a:endParaRPr lang="ru-RU" dirty="0" smtClean="0"/>
           </a:p>
           <a:p>
             <a:r>
               <a:rPr lang="ru-RU" dirty="0" smtClean="0"/>
-              <a:t>В </a:t>
-            </a:r>
+              <a:t>В парах</a:t>
+            </a:r>
+          </a:p>
+          <a:p>
             <a:r>
               <a:rPr lang="ru-RU" dirty="0" smtClean="0"/>
-              <a:t>парах</a:t>
-            </a:r>
-            <a:endParaRPr lang="ru-RU" dirty="0" smtClean="0"/>
-          </a:p>
-          <a:p>
-            <a:r>
-              <a:rPr lang="ru-RU" dirty="0" smtClean="0"/>
-              <a:t>Каждую сессию пары </a:t>
-            </a:r>
-            <a:r>
-              <a:rPr lang="ru-RU" dirty="0" smtClean="0"/>
-              <a:t>перемешиваются</a:t>
-            </a:r>
-            <a:endParaRPr lang="ru-RU" dirty="0" smtClean="0"/>
+              <a:t>Каждую сессию пары перемешиваются</a:t>
+            </a:r>
           </a:p>
           <a:p>
             <a:r>
@@ -7429,34 +7339,21 @@
           <a:p>
             <a:r>
               <a:rPr lang="ru-RU" dirty="0" smtClean="0"/>
-              <a:t>Освойтесь с </a:t>
-            </a:r>
+              <a:t>Освойтесь с задачей</a:t>
+            </a:r>
+          </a:p>
+          <a:p>
             <a:r>
               <a:rPr lang="ru-RU" dirty="0" smtClean="0"/>
-              <a:t>задачей</a:t>
-            </a:r>
-            <a:endParaRPr lang="ru-RU" dirty="0" smtClean="0"/>
-          </a:p>
-          <a:p>
+              <a:t>Запрограммируйте что-нибудь</a:t>
+            </a:r>
+            <a:endParaRPr lang="en-US" dirty="0" smtClean="0"/>
+          </a:p>
+          <a:p>
+            <a:pPr lvl="1"/>
             <a:r>
               <a:rPr lang="ru-RU" dirty="0" smtClean="0"/>
-              <a:t>Запрограммируйте </a:t>
-            </a:r>
-            <a:r>
-              <a:rPr lang="ru-RU" dirty="0" smtClean="0"/>
-              <a:t>что-нибудь</a:t>
-            </a:r>
-            <a:endParaRPr lang="en-US" dirty="0" smtClean="0"/>
-          </a:p>
-          <a:p>
-            <a:pPr lvl="1"/>
-            <a:r>
-              <a:rPr lang="ru-RU" dirty="0" smtClean="0"/>
-              <a:t>Например, консольную </a:t>
-            </a:r>
-            <a:r>
-              <a:rPr lang="ru-RU" dirty="0" smtClean="0"/>
-              <a:t>визуализацию</a:t>
+              <a:t>Например, консольную визуализацию</a:t>
             </a:r>
             <a:endParaRPr lang="en-US" dirty="0" smtClean="0"/>
           </a:p>
@@ -7894,13 +7791,8 @@
             </a:pPr>
             <a:r>
               <a:rPr lang="ru-RU" dirty="0" smtClean="0"/>
-              <a:t>Сколько тестов</a:t>
-            </a:r>
-            <a:r>
-              <a:rPr lang="ru-RU" dirty="0" smtClean="0"/>
-              <a:t>?</a:t>
-            </a:r>
-            <a:endParaRPr lang="ru-RU" dirty="0" smtClean="0"/>
+              <a:t>Сколько тестов?</a:t>
+            </a:r>
           </a:p>
         </p:txBody>
       </p:sp>
